--- a/Progress Update/20221124_Progress Update.pptx
+++ b/Progress Update/20221124_Progress Update.pptx
@@ -111,6 +111,11 @@
       </a:defRPr>
     </a:lvl9pPr>
   </p:defaultTextStyle>
+  <p:extLst>
+    <p:ext uri="{EFAFB233-063F-42B5-8137-9DF3F51BA10A}">
+      <p15:sldGuideLst xmlns:p15="http://schemas.microsoft.com/office/powerpoint/2012/main"/>
+    </p:ext>
+  </p:extLst>
 </p:presentation>
 </file>
 
@@ -3538,6 +3543,68 @@
               <a:rPr lang="en-US" altLang="ko-KR" dirty="0" err="1"/>
               <a:t>imputate</a:t>
             </a:r>
+            <a:endParaRPr lang="en-US" altLang="ko-KR" dirty="0"/>
+          </a:p>
+          <a:p>
+            <a:endParaRPr lang="en-US" altLang="ko-KR" dirty="0"/>
+          </a:p>
+          <a:p>
+            <a:r>
+              <a:rPr lang="en-US" altLang="ko-KR" dirty="0"/>
+              <a:t>Normalization</a:t>
+            </a:r>
+            <a:r>
+              <a:rPr lang="ko-KR" altLang="en-US" dirty="0"/>
+              <a:t>은 </a:t>
+            </a:r>
+            <a:r>
+              <a:rPr lang="en-US" altLang="ko-KR" dirty="0"/>
+              <a:t>expressed value</a:t>
+            </a:r>
+            <a:r>
+              <a:rPr lang="ko-KR" altLang="en-US" dirty="0"/>
+              <a:t>만 고려하여 실행</a:t>
+            </a:r>
+            <a:endParaRPr lang="en-US" altLang="ko-KR" dirty="0"/>
+          </a:p>
+          <a:p>
+            <a:pPr lvl="1"/>
+            <a:r>
+              <a:rPr lang="ko-KR" altLang="en-US" dirty="0"/>
+              <a:t>이전에는 </a:t>
+            </a:r>
+            <a:r>
+              <a:rPr lang="en-US" altLang="ko-KR" dirty="0"/>
+              <a:t>0</a:t>
+            </a:r>
+            <a:r>
+              <a:rPr lang="ko-KR" altLang="en-US" dirty="0"/>
+              <a:t>을 포함한 값들로 </a:t>
+            </a:r>
+            <a:r>
+              <a:rPr lang="en-US" altLang="ko-KR" dirty="0"/>
+              <a:t>normalization</a:t>
+            </a:r>
+            <a:r>
+              <a:rPr lang="ko-KR" altLang="en-US" dirty="0"/>
+              <a:t>실행하여 </a:t>
+            </a:r>
+            <a:r>
+              <a:rPr lang="en-US" altLang="ko-KR" dirty="0"/>
+              <a:t>mean</a:t>
+            </a:r>
+            <a:r>
+              <a:rPr lang="ko-KR" altLang="en-US" dirty="0"/>
+              <a:t>과 </a:t>
+            </a:r>
+            <a:r>
+              <a:rPr lang="en-US" altLang="ko-KR" dirty="0"/>
+              <a:t>std</a:t>
+            </a:r>
+            <a:r>
+              <a:rPr lang="ko-KR" altLang="en-US" dirty="0"/>
+              <a:t>가 많이 영향을 받았음</a:t>
+            </a:r>
             <a:r>
               <a:rPr lang="en-US" altLang="ko-KR" dirty="0"/>
               <a:t> </a:t>
@@ -3957,6 +4024,50 @@
             <a:r>
               <a:rPr lang="en-US" altLang="ko-KR" dirty="0"/>
               <a:t>C3</a:t>
+            </a:r>
+            <a:endParaRPr lang="ko-KR" altLang="en-US" dirty="0"/>
+          </a:p>
+        </p:txBody>
+      </p:sp>
+      <p:sp>
+        <p:nvSpPr>
+          <p:cNvPr id="4" name="TextBox 3">
+            <a:extLst>
+              <a:ext uri="{FF2B5EF4-FFF2-40B4-BE49-F238E27FC236}">
+                <a16:creationId xmlns:a16="http://schemas.microsoft.com/office/drawing/2014/main" id="{88DBC70C-8003-EC17-19E9-229BA57AC2ED}"/>
+              </a:ext>
+            </a:extLst>
+          </p:cNvPr>
+          <p:cNvSpPr txBox="1"/>
+          <p:nvPr/>
+        </p:nvSpPr>
+        <p:spPr>
+          <a:xfrm>
+            <a:off x="8014421" y="467394"/>
+            <a:ext cx="2183364" cy="369332"/>
+          </a:xfrm>
+          <a:prstGeom prst="rect">
+            <a:avLst/>
+          </a:prstGeom>
+          <a:noFill/>
+        </p:spPr>
+        <p:txBody>
+          <a:bodyPr wrap="square" rtlCol="0">
+            <a:spAutoFit/>
+          </a:bodyPr>
+          <a:lstStyle/>
+          <a:p>
+            <a:r>
+              <a:rPr lang="en-US" altLang="ko-KR" dirty="0"/>
+              <a:t>PB417_01</a:t>
+            </a:r>
+            <a:r>
+              <a:rPr lang="ko-KR" altLang="en-US" dirty="0"/>
+              <a:t> </a:t>
+            </a:r>
+            <a:r>
+              <a:rPr lang="en-US" altLang="ko-KR" dirty="0"/>
+              <a:t>(Patient)</a:t>
             </a:r>
             <a:endParaRPr lang="ko-KR" altLang="en-US" dirty="0"/>
           </a:p>
@@ -4924,8 +5035,8 @@
         </p:nvSpPr>
         <p:spPr>
           <a:xfrm>
-            <a:off x="8288692" y="1101464"/>
-            <a:ext cx="2304661" cy="369332"/>
+            <a:off x="8409990" y="788660"/>
+            <a:ext cx="2304661" cy="646331"/>
           </a:xfrm>
           <a:prstGeom prst="rect">
             <a:avLst/>
@@ -4938,6 +5049,18 @@
           </a:bodyPr>
           <a:lstStyle/>
           <a:p>
+            <a:pPr algn="ctr"/>
+            <a:r>
+              <a:rPr lang="en-US" altLang="ko-KR" dirty="0">
+                <a:highlight>
+                  <a:srgbClr val="FFFF00"/>
+                </a:highlight>
+              </a:rPr>
+              <a:t>PB417_01</a:t>
+            </a:r>
+          </a:p>
+          <a:p>
+            <a:pPr algn="ctr"/>
             <a:r>
               <a:rPr lang="en-US" altLang="ko-KR" dirty="0" err="1">
                 <a:highlight>
@@ -5338,16 +5461,12 @@
           <a:p>
             <a:pPr lvl="1"/>
             <a:r>
+              <a:rPr lang="en-US" altLang="ko-KR" dirty="0"/>
+              <a:t>Image</a:t>
+            </a:r>
+            <a:r>
               <a:rPr lang="ko-KR" altLang="en-US" dirty="0"/>
-              <a:t>우리가 모르는 </a:t>
-            </a:r>
-            <a:r>
-              <a:rPr lang="en-US" altLang="ko-KR" dirty="0"/>
-              <a:t>image</a:t>
-            </a:r>
-            <a:r>
-              <a:rPr lang="ko-KR" altLang="en-US" dirty="0"/>
-              <a:t>상에서의 </a:t>
+              <a:t>상에서 얻을 수 있는 또 다른 </a:t>
             </a:r>
             <a:r>
               <a:rPr lang="en-US" altLang="ko-KR" dirty="0"/>
@@ -6720,66 +6839,6 @@
           </a:prstGeom>
         </p:spPr>
       </p:pic>
-      <p:sp>
-        <p:nvSpPr>
-          <p:cNvPr id="52" name="TextBox 51">
-            <a:extLst>
-              <a:ext uri="{FF2B5EF4-FFF2-40B4-BE49-F238E27FC236}">
-                <a16:creationId xmlns:a16="http://schemas.microsoft.com/office/drawing/2014/main" id="{D3579F94-EAD8-1AAD-ED62-1D6D574DC450}"/>
-              </a:ext>
-            </a:extLst>
-          </p:cNvPr>
-          <p:cNvSpPr txBox="1"/>
-          <p:nvPr/>
-        </p:nvSpPr>
-        <p:spPr>
-          <a:xfrm>
-            <a:off x="329981" y="5734224"/>
-            <a:ext cx="5081981" cy="646331"/>
-          </a:xfrm>
-          <a:prstGeom prst="rect">
-            <a:avLst/>
-          </a:prstGeom>
-          <a:noFill/>
-        </p:spPr>
-        <p:txBody>
-          <a:bodyPr wrap="square" rtlCol="0">
-            <a:spAutoFit/>
-          </a:bodyPr>
-          <a:lstStyle/>
-          <a:p>
-            <a:r>
-              <a:rPr lang="ko-KR" altLang="en-US" dirty="0"/>
-              <a:t>정확한 </a:t>
-            </a:r>
-            <a:r>
-              <a:rPr lang="en-US" altLang="ko-KR" dirty="0"/>
-              <a:t>image processing</a:t>
-            </a:r>
-            <a:r>
-              <a:rPr lang="ko-KR" altLang="en-US" dirty="0"/>
-              <a:t>을 해봐야 </a:t>
-            </a:r>
-            <a:r>
-              <a:rPr lang="ko-KR" altLang="en-US" dirty="0" err="1"/>
-              <a:t>정확해지겠지만</a:t>
-            </a:r>
-            <a:r>
-              <a:rPr lang="en-US" altLang="ko-KR" dirty="0"/>
-              <a:t>, </a:t>
-            </a:r>
-            <a:r>
-              <a:rPr lang="ko-KR" altLang="en-US" dirty="0"/>
-              <a:t>유의미한 차이가 </a:t>
-            </a:r>
-            <a:r>
-              <a:rPr lang="ko-KR" altLang="en-US" dirty="0" err="1"/>
-              <a:t>있어보임</a:t>
-            </a:r>
-            <a:endParaRPr lang="ko-KR" altLang="en-US" dirty="0"/>
-          </a:p>
-        </p:txBody>
-      </p:sp>
     </p:spTree>
     <p:extLst>
       <p:ext uri="{BB962C8B-B14F-4D97-AF65-F5344CB8AC3E}">
@@ -7176,51 +7235,6 @@
                       </p:childTnLst>
                     </p:cTn>
                   </p:par>
-                  <p:par>
-                    <p:cTn id="33" fill="hold">
-                      <p:stCondLst>
-                        <p:cond delay="indefinite"/>
-                      </p:stCondLst>
-                      <p:childTnLst>
-                        <p:par>
-                          <p:cTn id="34" fill="hold">
-                            <p:stCondLst>
-                              <p:cond delay="0"/>
-                            </p:stCondLst>
-                            <p:childTnLst>
-                              <p:par>
-                                <p:cTn id="35" presetID="1" presetClass="entr" presetSubtype="0" fill="hold" grpId="0" nodeType="clickEffect">
-                                  <p:stCondLst>
-                                    <p:cond delay="0"/>
-                                  </p:stCondLst>
-                                  <p:childTnLst>
-                                    <p:set>
-                                      <p:cBhvr>
-                                        <p:cTn id="36" dur="1" fill="hold">
-                                          <p:stCondLst>
-                                            <p:cond delay="0"/>
-                                          </p:stCondLst>
-                                        </p:cTn>
-                                        <p:tgtEl>
-                                          <p:spTgt spid="52"/>
-                                        </p:tgtEl>
-                                        <p:attrNameLst>
-                                          <p:attrName>style.visibility</p:attrName>
-                                        </p:attrNameLst>
-                                      </p:cBhvr>
-                                      <p:to>
-                                        <p:strVal val="visible"/>
-                                      </p:to>
-                                    </p:set>
-                                  </p:childTnLst>
-                                </p:cTn>
-                              </p:par>
-                            </p:childTnLst>
-                          </p:cTn>
-                        </p:par>
-                      </p:childTnLst>
-                    </p:cTn>
-                  </p:par>
                 </p:childTnLst>
               </p:cTn>
               <p:prevCondLst>
@@ -7248,7 +7262,6 @@
       <p:bldP spid="32" grpId="0"/>
       <p:bldP spid="40" grpId="0"/>
       <p:bldP spid="49" grpId="0"/>
-      <p:bldP spid="52" grpId="0"/>
     </p:bldLst>
   </p:timing>
 </p:sld>
